--- a/12-14/周记-2018-12-14-程文胜.pptx
+++ b/12-14/周记-2018-12-14-程文胜.pptx
@@ -3926,7 +3926,7 @@
         <p:spPr>
           <a:xfrm>
             <a:off x="108488" y="779967"/>
-            <a:ext cx="11711476" cy="2062103"/>
+            <a:ext cx="11711476" cy="1569660"/>
           </a:xfrm>
           <a:prstGeom prst="rect">
             <a:avLst/>
@@ -3944,14 +3944,14 @@
                 <a:latin typeface="Calibri Light" panose="020F0302020204030204" pitchFamily="34" charset="0"/>
                 <a:cs typeface="Calibri Light" panose="020F0302020204030204" pitchFamily="34" charset="0"/>
               </a:rPr>
-              <a:t>Since it’s approaching the end of this year, there are much document work to do. </a:t>
+              <a:t>Since it’s approaching the end of this year, there are much document work to do. Specifically, I participated in making NSFC project slides, writing CETC 54 files and slides, and writing 503 project </a:t>
             </a:r>
             <a:r>
               <a:rPr lang="en-US" altLang="zh-CN" sz="3200" b="1" dirty="0" smtClean="0">
                 <a:latin typeface="Calibri Light" panose="020F0302020204030204" pitchFamily="34" charset="0"/>
                 <a:cs typeface="Calibri Light" panose="020F0302020204030204" pitchFamily="34" charset="0"/>
               </a:rPr>
-              <a:t>Specifically, I participated in making NSFC project slides, writing CETC 54 files and slides, and writing 503 project files from Tuesday to Sunday.</a:t>
+              <a:t>files.</a:t>
             </a:r>
             <a:endParaRPr lang="en-US" altLang="zh-CN" sz="3200" b="1" dirty="0" smtClean="0">
               <a:latin typeface="Calibri Light" panose="020F0302020204030204" pitchFamily="34" charset="0"/>
@@ -3989,10 +3989,6 @@
               </a:rPr>
               <a:t>Some project files</a:t>
             </a:r>
-            <a:endParaRPr lang="en-US" altLang="zh-CN" sz="2800" b="1" dirty="0" smtClean="0">
-              <a:latin typeface="Calibri Light" panose="020F0302020204030204" pitchFamily="34" charset="0"/>
-              <a:cs typeface="Calibri Light" panose="020F0302020204030204" pitchFamily="34" charset="0"/>
-            </a:endParaRPr>
           </a:p>
         </p:txBody>
       </p:sp>
@@ -4177,10 +4173,6 @@
               </a:rPr>
               <a:t>. 78.16%.</a:t>
             </a:r>
-            <a:endParaRPr lang="en-US" altLang="zh-CN" sz="3200" b="1" dirty="0" smtClean="0">
-              <a:latin typeface="Calibri Light" panose="020F0302020204030204" pitchFamily="34" charset="0"/>
-              <a:cs typeface="Calibri Light" panose="020F0302020204030204" pitchFamily="34" charset="0"/>
-            </a:endParaRPr>
           </a:p>
         </p:txBody>
       </p:sp>
@@ -4393,14 +4385,6 @@
                         </a:rPr>
                         <a:t>0.7797</a:t>
                       </a:r>
-                      <a:endParaRPr lang="en-US" altLang="zh-CN" sz="3200" b="1" kern="1200" dirty="0" smtClean="0">
-                        <a:solidFill>
-                          <a:schemeClr val="tx1"/>
-                        </a:solidFill>
-                        <a:latin typeface="Calibri Light" panose="020F0302020204030204" pitchFamily="34" charset="0"/>
-                        <a:ea typeface="+mn-ea"/>
-                        <a:cs typeface="Calibri Light" panose="020F0302020204030204" pitchFamily="34" charset="0"/>
-                      </a:endParaRPr>
                     </a:p>
                   </a:txBody>
                   <a:tcPr anchor="ctr"/>
@@ -4630,7 +4614,7 @@
         <p:spPr>
           <a:xfrm>
             <a:off x="108485" y="929876"/>
-            <a:ext cx="10823974" cy="4524315"/>
+            <a:ext cx="10528139" cy="5016758"/>
           </a:xfrm>
           <a:prstGeom prst="rect">
             <a:avLst/>
@@ -4652,14 +4636,7 @@
                 <a:latin typeface="Calibri Light" panose="020F0302020204030204" pitchFamily="34" charset="0"/>
                 <a:cs typeface="Calibri Light" panose="020F0302020204030204" pitchFamily="34" charset="0"/>
               </a:rPr>
-              <a:t>It surprised me that the most basi</a:t>
-            </a:r>
-            <a:r>
-              <a:rPr lang="en-US" altLang="zh-CN" sz="3200" b="1" dirty="0" smtClean="0">
-                <a:latin typeface="Calibri Light" panose="020F0302020204030204" pitchFamily="34" charset="0"/>
-                <a:cs typeface="Calibri Light" panose="020F0302020204030204" pitchFamily="34" charset="0"/>
-              </a:rPr>
-              <a:t>c model-FCN can achieve best performance on the SAR image. I think it’s because this SAR image contains less information than optical image(1 channel </a:t>
+              <a:t>It surprised me that the most basic model-FCN can achieve best performance on the SAR image. I think it’s because this SAR image contains less information than optical image(1 channel </a:t>
             </a:r>
             <a:r>
               <a:rPr lang="en-US" altLang="zh-CN" sz="3200" b="1" dirty="0" err="1" smtClean="0">
@@ -4689,10 +4666,6 @@
               </a:rPr>
               <a:t>. 21 classes on PASCAL VOC dataset. </a:t>
             </a:r>
-            <a:endParaRPr lang="en-US" altLang="zh-CN" sz="3200" b="1" dirty="0" smtClean="0">
-              <a:latin typeface="Calibri Light" panose="020F0302020204030204" pitchFamily="34" charset="0"/>
-              <a:cs typeface="Calibri Light" panose="020F0302020204030204" pitchFamily="34" charset="0"/>
-            </a:endParaRPr>
           </a:p>
           <a:p>
             <a:pPr marL="457200" indent="-457200">
@@ -4717,15 +4690,49 @@
                 <a:latin typeface="Calibri Light" panose="020F0302020204030204" pitchFamily="34" charset="0"/>
                 <a:cs typeface="Calibri Light" panose="020F0302020204030204" pitchFamily="34" charset="0"/>
               </a:rPr>
-              <a:t>I guess I need to focus more on this work since time is really urgent, especially for a rookie on writing journal papers </a:t>
+              <a:t>I </a:t>
             </a:r>
             <a:r>
               <a:rPr lang="en-US" altLang="zh-CN" sz="3200" b="1" dirty="0" smtClean="0">
                 <a:latin typeface="Calibri Light" panose="020F0302020204030204" pitchFamily="34" charset="0"/>
                 <a:cs typeface="Calibri Light" panose="020F0302020204030204" pitchFamily="34" charset="0"/>
-                <a:sym typeface="Wingdings" panose="05000000000000000000" pitchFamily="2" charset="2"/>
               </a:rPr>
-              <a:t></a:t>
+              <a:t>also need </a:t>
+            </a:r>
+            <a:r>
+              <a:rPr lang="en-US" altLang="zh-CN" sz="3200" b="1" dirty="0" smtClean="0">
+                <a:latin typeface="Calibri Light" panose="020F0302020204030204" pitchFamily="34" charset="0"/>
+                <a:cs typeface="Calibri Light" panose="020F0302020204030204" pitchFamily="34" charset="0"/>
+              </a:rPr>
+              <a:t>to </a:t>
+            </a:r>
+            <a:r>
+              <a:rPr lang="en-US" altLang="zh-CN" sz="3200" b="1" dirty="0" smtClean="0">
+                <a:latin typeface="Calibri Light" panose="020F0302020204030204" pitchFamily="34" charset="0"/>
+                <a:cs typeface="Calibri Light" panose="020F0302020204030204" pitchFamily="34" charset="0"/>
+              </a:rPr>
+              <a:t>hurry up and find a better model as soon as possible,</a:t>
+            </a:r>
+            <a:r>
+              <a:rPr lang="en-US" altLang="zh-CN" sz="3200" b="1" dirty="0" smtClean="0">
+                <a:latin typeface="Calibri Light" panose="020F0302020204030204" pitchFamily="34" charset="0"/>
+                <a:cs typeface="Calibri Light" panose="020F0302020204030204" pitchFamily="34" charset="0"/>
+              </a:rPr>
+              <a:t> </a:t>
+            </a:r>
+            <a:r>
+              <a:rPr lang="en-US" altLang="zh-CN" sz="3200" b="1" dirty="0" smtClean="0">
+                <a:latin typeface="Calibri Light" panose="020F0302020204030204" pitchFamily="34" charset="0"/>
+                <a:cs typeface="Calibri Light" panose="020F0302020204030204" pitchFamily="34" charset="0"/>
+              </a:rPr>
+              <a:t>since time is really urgent, </a:t>
+            </a:r>
+            <a:r>
+              <a:rPr lang="en-US" altLang="zh-CN" sz="3200" b="1" dirty="0" smtClean="0">
+                <a:latin typeface="Calibri Light" panose="020F0302020204030204" pitchFamily="34" charset="0"/>
+                <a:cs typeface="Calibri Light" panose="020F0302020204030204" pitchFamily="34" charset="0"/>
+              </a:rPr>
+              <a:t>and deep learning experiments take a long time.</a:t>
             </a:r>
             <a:endParaRPr lang="en-US" altLang="zh-CN" sz="3200" b="1" dirty="0">
               <a:latin typeface="Calibri Light" panose="020F0302020204030204" pitchFamily="34" charset="0"/>
@@ -4755,7 +4762,7 @@
         </p:blipFill>
         <p:spPr>
           <a:xfrm>
-            <a:off x="10421469" y="4854388"/>
+            <a:off x="10206318" y="4854388"/>
             <a:ext cx="1434353" cy="2003612"/>
           </a:xfrm>
           <a:prstGeom prst="rect">
